--- a/dbstudy/OraclePPT/11. 기본 SQL 작성하기_DDL 활용.pptx
+++ b/dbstudy/OraclePPT/11. 기본 SQL 작성하기_DDL 활용.pptx
@@ -241,7 +241,7 @@
           <a:p>
             <a:fld id="{E150CED1-0BD3-437E-982C-E8005E10CB37}" type="datetimeFigureOut">
               <a:rPr lang="ko-KR" altLang="en-US" smtClean="0"/>
-              <a:t>2022-01-07</a:t>
+              <a:t>2022-02-23</a:t>
             </a:fld>
             <a:endParaRPr lang="ko-KR" altLang="en-US"/>
           </a:p>
